--- a/스크립트언어기획발표.pptx
+++ b/스크립트언어기획발표.pptx
@@ -20,12 +20,12 @@
   <p:notesSz cx="6858000" cy="9144000"/>
   <p:embeddedFontLst>
     <p:embeddedFont>
-      <p:font typeface="맑은 고딕" panose="020B0503020000020004" pitchFamily="50" charset="-127"/>
+      <p:font typeface="나눔고딕" panose="020B0600000101010101" charset="-127"/>
       <p:regular r:id="rId10"/>
       <p:bold r:id="rId11"/>
     </p:embeddedFont>
     <p:embeddedFont>
-      <p:font typeface="나눔고딕" panose="020B0600000101010101" charset="-127"/>
+      <p:font typeface="맑은 고딕" panose="020B0503020000020004" pitchFamily="50" charset="-127"/>
       <p:regular r:id="rId12"/>
       <p:bold r:id="rId13"/>
     </p:embeddedFont>
@@ -222,7 +222,7 @@
           <a:p>
             <a:fld id="{A6EE593A-6B44-487E-B64A-BF4872A4BE59}" type="datetimeFigureOut">
               <a:rPr lang="ko-KR" altLang="en-US" smtClean="0"/>
-              <a:t>2017-05-30</a:t>
+              <a:t>2017-05-31</a:t>
             </a:fld>
             <a:endParaRPr lang="ko-KR" altLang="en-US"/>
           </a:p>
@@ -1397,7 +1397,7 @@
           <a:p>
             <a:fld id="{3B9AFE30-CE99-44E2-887B-671B604A8DB1}" type="datetimeFigureOut">
               <a:rPr lang="ko-KR" altLang="en-US" smtClean="0"/>
-              <a:t>2017-05-30</a:t>
+              <a:t>2017-05-31</a:t>
             </a:fld>
             <a:endParaRPr lang="ko-KR" altLang="en-US"/>
           </a:p>
@@ -1605,7 +1605,7 @@
           <a:p>
             <a:fld id="{3B9AFE30-CE99-44E2-887B-671B604A8DB1}" type="datetimeFigureOut">
               <a:rPr lang="ko-KR" altLang="en-US" smtClean="0"/>
-              <a:t>2017-05-30</a:t>
+              <a:t>2017-05-31</a:t>
             </a:fld>
             <a:endParaRPr lang="ko-KR" altLang="en-US"/>
           </a:p>
@@ -1901,7 +1901,7 @@
           <a:p>
             <a:fld id="{3B9AFE30-CE99-44E2-887B-671B604A8DB1}" type="datetimeFigureOut">
               <a:rPr lang="ko-KR" altLang="en-US" smtClean="0"/>
-              <a:t>2017-05-30</a:t>
+              <a:t>2017-05-31</a:t>
             </a:fld>
             <a:endParaRPr lang="ko-KR" altLang="en-US"/>
           </a:p>
@@ -2020,7 +2020,7 @@
           <a:p>
             <a:fld id="{3B9AFE30-CE99-44E2-887B-671B604A8DB1}" type="datetimeFigureOut">
               <a:rPr lang="ko-KR" altLang="en-US" smtClean="0"/>
-              <a:t>2017-05-30</a:t>
+              <a:t>2017-05-31</a:t>
             </a:fld>
             <a:endParaRPr lang="ko-KR" altLang="en-US"/>
           </a:p>
@@ -2328,7 +2328,7 @@
           <a:p>
             <a:fld id="{3B9AFE30-CE99-44E2-887B-671B604A8DB1}" type="datetimeFigureOut">
               <a:rPr lang="ko-KR" altLang="en-US" smtClean="0"/>
-              <a:t>2017-05-30</a:t>
+              <a:t>2017-05-31</a:t>
             </a:fld>
             <a:endParaRPr lang="ko-KR" altLang="en-US"/>
           </a:p>
@@ -2613,7 +2613,7 @@
           <a:p>
             <a:fld id="{3B9AFE30-CE99-44E2-887B-671B604A8DB1}" type="datetimeFigureOut">
               <a:rPr lang="ko-KR" altLang="en-US" smtClean="0"/>
-              <a:t>2017-05-30</a:t>
+              <a:t>2017-05-31</a:t>
             </a:fld>
             <a:endParaRPr lang="ko-KR" altLang="en-US"/>
           </a:p>
@@ -4165,7 +4165,7 @@
                 <a:latin typeface="나눔바른고딕 Light" panose="020B0603020101020101" pitchFamily="50" charset="-127"/>
                 <a:ea typeface="나눔바른고딕 Light" panose="020B0603020101020101" pitchFamily="50" charset="-127"/>
               </a:rPr>
-              <a:t>진료 요일 조회 서비스</a:t>
+              <a:t>영업 요일 조회 서비스</a:t>
             </a:r>
             <a:endParaRPr lang="en-US" altLang="ko-KR" b="1" dirty="0">
               <a:latin typeface="나눔바른고딕 Light" panose="020B0603020101020101" pitchFamily="50" charset="-127"/>
@@ -4986,7 +4986,7 @@
           <p:nvPr>
             <p:extLst>
               <p:ext uri="{D42A27DB-BD31-4B8C-83A1-F6EECF244321}">
-                <p14:modId xmlns:p14="http://schemas.microsoft.com/office/powerpoint/2010/main" val="3821637571"/>
+                <p14:modId xmlns:p14="http://schemas.microsoft.com/office/powerpoint/2010/main" val="2054707325"/>
               </p:ext>
             </p:extLst>
           </p:nvPr>
@@ -5718,7 +5718,7 @@
                         <a:rPr lang="ko-KR" altLang="en-US" sz="1600" b="1" dirty="0">
                           <a:ea typeface="나눔바른고딕 Light" panose="020B0603020101020101"/>
                         </a:rPr>
-                        <a:t>진료일자별로 검색</a:t>
+                        <a:t>영업일자별로 검색</a:t>
                       </a:r>
                     </a:p>
                     <a:p>
@@ -6180,7 +6180,7 @@
           <p:nvPr>
             <p:extLst>
               <p:ext uri="{D42A27DB-BD31-4B8C-83A1-F6EECF244321}">
-                <p14:modId xmlns:p14="http://schemas.microsoft.com/office/powerpoint/2010/main" val="1881931915"/>
+                <p14:modId xmlns:p14="http://schemas.microsoft.com/office/powerpoint/2010/main" val="954534237"/>
               </p:ext>
             </p:extLst>
           </p:nvPr>
@@ -6475,7 +6475,7 @@
                           <a:latin typeface="나눔바른고딕 Light" panose="020B0603020101020101" pitchFamily="50" charset="-127"/>
                           <a:ea typeface="나눔바른고딕 Light" panose="020B0603020101020101" pitchFamily="50" charset="-127"/>
                         </a:rPr>
-                        <a:t>진료일자별로 </a:t>
+                        <a:t>영업일자별로 </a:t>
                       </a:r>
                       <a:endParaRPr lang="en-US" altLang="ko-KR" sz="1600" b="1" dirty="0">
                         <a:latin typeface="나눔바른고딕 Light" panose="020B0603020101020101" pitchFamily="50" charset="-127"/>

--- a/스크립트언어기획발표.pptx
+++ b/스크립트언어기획발표.pptx
@@ -4886,7 +4886,7 @@
       </p:sp>
       <p:pic>
         <p:nvPicPr>
-          <p:cNvPr id="83" name="그림 82"/>
+          <p:cNvPr id="85" name="그림 84"/>
           <p:cNvPicPr>
             <a:picLocks noChangeAspect="1"/>
           </p:cNvPicPr>
@@ -4907,37 +4907,6 @@
         </p:blipFill>
         <p:spPr>
           <a:xfrm>
-            <a:off x="384259" y="3159398"/>
-            <a:ext cx="623733" cy="623733"/>
-          </a:xfrm>
-          <a:prstGeom prst="rect">
-            <a:avLst/>
-          </a:prstGeom>
-        </p:spPr>
-      </p:pic>
-      <p:pic>
-        <p:nvPicPr>
-          <p:cNvPr id="85" name="그림 84"/>
-          <p:cNvPicPr>
-            <a:picLocks noChangeAspect="1"/>
-          </p:cNvPicPr>
-          <p:nvPr/>
-        </p:nvPicPr>
-        <p:blipFill>
-          <a:blip r:embed="rId3" cstate="print">
-            <a:lum bright="70000" contrast="-70000"/>
-            <a:extLst>
-              <a:ext uri="{28A0092B-C50C-407E-A947-70E740481C1C}">
-                <a14:useLocalDpi xmlns:a14="http://schemas.microsoft.com/office/drawing/2010/main" val="0"/>
-              </a:ext>
-            </a:extLst>
-          </a:blip>
-          <a:stretch>
-            <a:fillRect/>
-          </a:stretch>
-        </p:blipFill>
-        <p:spPr>
-          <a:xfrm>
             <a:off x="435610" y="4535317"/>
             <a:ext cx="579639" cy="579639"/>
           </a:xfrm>
@@ -4955,7 +4924,7 @@
           <p:nvPr/>
         </p:nvPicPr>
         <p:blipFill>
-          <a:blip r:embed="rId4" cstate="print">
+          <a:blip r:embed="rId3" cstate="print">
             <a:lum bright="70000" contrast="-70000"/>
             <a:extLst>
               <a:ext uri="{28A0092B-C50C-407E-A947-70E740481C1C}">
@@ -5800,15 +5769,46 @@
           </a:graphicData>
         </a:graphic>
       </p:graphicFrame>
+      <p:pic>
+        <p:nvPicPr>
+          <p:cNvPr id="18" name="그림 17"/>
+          <p:cNvPicPr>
+            <a:picLocks noChangeAspect="1"/>
+          </p:cNvPicPr>
+          <p:nvPr/>
+        </p:nvPicPr>
+        <p:blipFill>
+          <a:blip r:embed="rId4" cstate="print">
+            <a:lum bright="70000" contrast="-70000"/>
+            <a:extLst>
+              <a:ext uri="{28A0092B-C50C-407E-A947-70E740481C1C}">
+                <a14:useLocalDpi xmlns:a14="http://schemas.microsoft.com/office/drawing/2010/main" val="0"/>
+              </a:ext>
+            </a:extLst>
+          </a:blip>
+          <a:stretch>
+            <a:fillRect/>
+          </a:stretch>
+        </p:blipFill>
+        <p:spPr>
+          <a:xfrm>
+            <a:off x="435058" y="3864238"/>
+            <a:ext cx="601962" cy="601962"/>
+          </a:xfrm>
+          <a:prstGeom prst="rect">
+            <a:avLst/>
+          </a:prstGeom>
+        </p:spPr>
+      </p:pic>
       <p:grpSp>
         <p:nvGrpSpPr>
-          <p:cNvPr id="13" name="그룹 12"/>
+          <p:cNvPr id="19" name="그룹 18"/>
           <p:cNvGrpSpPr/>
           <p:nvPr/>
         </p:nvGrpSpPr>
         <p:grpSpPr>
           <a:xfrm>
-            <a:off x="277633" y="2484379"/>
+            <a:off x="277633" y="3162559"/>
             <a:ext cx="737616" cy="637661"/>
             <a:chOff x="286675" y="1057144"/>
             <a:chExt cx="737616" cy="637661"/>
@@ -5816,7 +5816,7 @@
         </p:grpSpPr>
         <p:sp>
           <p:nvSpPr>
-            <p:cNvPr id="14" name="직사각형 13"/>
+            <p:cNvPr id="20" name="직사각형 19"/>
             <p:cNvSpPr/>
             <p:nvPr/>
           </p:nvSpPr>
@@ -5862,7 +5862,7 @@
         </p:sp>
         <p:cxnSp>
           <p:nvCxnSpPr>
-            <p:cNvPr id="15" name="직선 연결선 14"/>
+            <p:cNvPr id="21" name="직선 연결선 20"/>
             <p:cNvCxnSpPr/>
             <p:nvPr/>
           </p:nvCxnSpPr>
@@ -5897,7 +5897,7 @@
         </p:cxnSp>
         <p:cxnSp>
           <p:nvCxnSpPr>
-            <p:cNvPr id="16" name="직선 연결선 15"/>
+            <p:cNvPr id="22" name="직선 연결선 21"/>
             <p:cNvCxnSpPr/>
             <p:nvPr/>
           </p:nvCxnSpPr>
@@ -5933,13 +5933,13 @@
       </p:grpSp>
       <p:pic>
         <p:nvPicPr>
-          <p:cNvPr id="17" name="그림 16"/>
+          <p:cNvPr id="23" name="그림 22"/>
           <p:cNvPicPr>
             <a:picLocks noChangeAspect="1"/>
           </p:cNvPicPr>
           <p:nvPr/>
         </p:nvPicPr>
-        <p:blipFill rotWithShape="1">
+        <p:blipFill>
           <a:blip r:embed="rId5" cstate="print">
             <a:duotone>
               <a:schemeClr val="accent4">
@@ -5954,13 +5954,14 @@
               </a:ext>
             </a:extLst>
           </a:blip>
-          <a:srcRect l="4346" t="45154" r="-1" b="-2"/>
-          <a:stretch/>
+          <a:stretch>
+            <a:fillRect/>
+          </a:stretch>
         </p:blipFill>
         <p:spPr>
           <a:xfrm>
-            <a:off x="339216" y="2563477"/>
-            <a:ext cx="827358" cy="474400"/>
+            <a:off x="384259" y="3159398"/>
+            <a:ext cx="623733" cy="623733"/>
           </a:xfrm>
           <a:prstGeom prst="rect">
             <a:avLst/>
@@ -5969,13 +5970,13 @@
       </p:pic>
       <p:pic>
         <p:nvPicPr>
-          <p:cNvPr id="18" name="그림 17"/>
+          <p:cNvPr id="24" name="그림 23"/>
           <p:cNvPicPr>
             <a:picLocks noChangeAspect="1"/>
           </p:cNvPicPr>
           <p:nvPr/>
         </p:nvPicPr>
-        <p:blipFill>
+        <p:blipFill rotWithShape="1">
           <a:blip r:embed="rId6" cstate="print">
             <a:lum bright="70000" contrast="-70000"/>
             <a:extLst>
@@ -5984,14 +5985,13 @@
               </a:ext>
             </a:extLst>
           </a:blip>
-          <a:stretch>
-            <a:fillRect/>
-          </a:stretch>
+          <a:srcRect l="4346" t="45154" r="-1" b="-2"/>
+          <a:stretch/>
         </p:blipFill>
         <p:spPr>
           <a:xfrm>
-            <a:off x="435058" y="3864238"/>
-            <a:ext cx="601962" cy="601962"/>
+            <a:off x="330746" y="2609886"/>
+            <a:ext cx="827358" cy="474400"/>
           </a:xfrm>
           <a:prstGeom prst="rect">
             <a:avLst/>
@@ -6111,7 +6111,7 @@
       </p:pic>
       <p:pic>
         <p:nvPicPr>
-          <p:cNvPr id="84" name="그림 83"/>
+          <p:cNvPr id="26" name="그림 25"/>
           <p:cNvPicPr>
             <a:picLocks noChangeAspect="1"/>
           </p:cNvPicPr>
@@ -6132,37 +6132,6 @@
         </p:blipFill>
         <p:spPr>
           <a:xfrm>
-            <a:off x="435058" y="3850986"/>
-            <a:ext cx="601962" cy="601962"/>
-          </a:xfrm>
-          <a:prstGeom prst="rect">
-            <a:avLst/>
-          </a:prstGeom>
-        </p:spPr>
-      </p:pic>
-      <p:pic>
-        <p:nvPicPr>
-          <p:cNvPr id="26" name="그림 25"/>
-          <p:cNvPicPr>
-            <a:picLocks noChangeAspect="1"/>
-          </p:cNvPicPr>
-          <p:nvPr/>
-        </p:nvPicPr>
-        <p:blipFill>
-          <a:blip r:embed="rId4" cstate="print">
-            <a:lum bright="70000" contrast="-70000"/>
-            <a:extLst>
-              <a:ext uri="{28A0092B-C50C-407E-A947-70E740481C1C}">
-                <a14:useLocalDpi xmlns:a14="http://schemas.microsoft.com/office/drawing/2010/main" val="0"/>
-              </a:ext>
-            </a:extLst>
-          </a:blip>
-          <a:stretch>
-            <a:fillRect/>
-          </a:stretch>
-        </p:blipFill>
-        <p:spPr>
-          <a:xfrm>
             <a:off x="308974" y="983406"/>
             <a:ext cx="785136" cy="785136"/>
           </a:xfrm>
@@ -6180,7 +6149,7 @@
           <p:nvPr>
             <p:extLst>
               <p:ext uri="{D42A27DB-BD31-4B8C-83A1-F6EECF244321}">
-                <p14:modId xmlns:p14="http://schemas.microsoft.com/office/powerpoint/2010/main" val="954534237"/>
+                <p14:modId xmlns:p14="http://schemas.microsoft.com/office/powerpoint/2010/main" val="3791871434"/>
               </p:ext>
             </p:extLst>
           </p:nvPr>
@@ -6859,24 +6828,6 @@
                     <a:bodyPr/>
                     <a:lstStyle/>
                     <a:p>
-                      <a:pPr algn="ctr" latinLnBrk="1"/>
-                      <a:r>
-                        <a:rPr lang="en-US" altLang="ko-KR" sz="1600" b="1" dirty="0">
-                          <a:ea typeface="나눔바른고딕 Light" panose="020B0603020101020101"/>
-                        </a:rPr>
-                        <a:t>C/C++</a:t>
-                      </a:r>
-                      <a:r>
-                        <a:rPr lang="ko-KR" altLang="en-US" sz="1600" b="1" dirty="0">
-                          <a:ea typeface="나눔바른고딕 Light" panose="020B0603020101020101"/>
-                        </a:rPr>
-                        <a:t>연동</a:t>
-                      </a:r>
-                      <a:endParaRPr lang="en-US" altLang="ko-KR" sz="1600" b="1" dirty="0">
-                        <a:ea typeface="나눔바른고딕 Light" panose="020B0603020101020101"/>
-                      </a:endParaRPr>
-                    </a:p>
-                    <a:p>
                       <a:pPr marL="0" marR="0" lvl="0" indent="0" algn="ctr" defTabSz="914400" rtl="0" eaLnBrk="1" fontAlgn="auto" latinLnBrk="1" hangingPunct="1">
                         <a:lnSpc>
                           <a:spcPct val="100000"/>
@@ -6895,7 +6846,7 @@
                         <a:defRPr/>
                       </a:pPr>
                       <a:r>
-                        <a:rPr lang="ko-KR" altLang="en-US" sz="1600" b="1" dirty="0">
+                        <a:rPr lang="ko-KR" altLang="en-US" sz="1600" b="1">
                           <a:ea typeface="나눔바른고딕 Light" panose="020B0603020101020101"/>
                         </a:rPr>
                         <a:t>배포파일작성</a:t>
@@ -6999,7 +6950,7 @@
           <p:nvPr/>
         </p:nvPicPr>
         <p:blipFill>
-          <a:blip r:embed="rId5" cstate="print">
+          <a:blip r:embed="rId4" cstate="print">
             <a:lum bright="70000" contrast="-70000"/>
             <a:extLst>
               <a:ext uri="{28A0092B-C50C-407E-A947-70E740481C1C}">
@@ -7021,15 +6972,45 @@
           </a:prstGeom>
         </p:spPr>
       </p:pic>
+      <p:pic>
+        <p:nvPicPr>
+          <p:cNvPr id="19" name="그림 18"/>
+          <p:cNvPicPr>
+            <a:picLocks noChangeAspect="1"/>
+          </p:cNvPicPr>
+          <p:nvPr/>
+        </p:nvPicPr>
+        <p:blipFill rotWithShape="1">
+          <a:blip r:embed="rId5" cstate="print">
+            <a:lum bright="70000" contrast="-70000"/>
+            <a:extLst>
+              <a:ext uri="{28A0092B-C50C-407E-A947-70E740481C1C}">
+                <a14:useLocalDpi xmlns:a14="http://schemas.microsoft.com/office/drawing/2010/main" val="0"/>
+              </a:ext>
+            </a:extLst>
+          </a:blip>
+          <a:srcRect l="4346" t="45154" r="-1" b="-2"/>
+          <a:stretch/>
+        </p:blipFill>
+        <p:spPr>
+          <a:xfrm>
+            <a:off x="330746" y="2609886"/>
+            <a:ext cx="827358" cy="474400"/>
+          </a:xfrm>
+          <a:prstGeom prst="rect">
+            <a:avLst/>
+          </a:prstGeom>
+        </p:spPr>
+      </p:pic>
       <p:grpSp>
         <p:nvGrpSpPr>
-          <p:cNvPr id="14" name="그룹 13"/>
+          <p:cNvPr id="20" name="그룹 19"/>
           <p:cNvGrpSpPr/>
           <p:nvPr/>
         </p:nvGrpSpPr>
         <p:grpSpPr>
           <a:xfrm>
-            <a:off x="277633" y="2484379"/>
+            <a:off x="308974" y="3850986"/>
             <a:ext cx="737616" cy="637661"/>
             <a:chOff x="286675" y="1057144"/>
             <a:chExt cx="737616" cy="637661"/>
@@ -7037,7 +7018,7 @@
         </p:grpSpPr>
         <p:sp>
           <p:nvSpPr>
-            <p:cNvPr id="15" name="직사각형 14"/>
+            <p:cNvPr id="21" name="직사각형 20"/>
             <p:cNvSpPr/>
             <p:nvPr/>
           </p:nvSpPr>
@@ -7083,7 +7064,7 @@
         </p:sp>
         <p:cxnSp>
           <p:nvCxnSpPr>
-            <p:cNvPr id="16" name="직선 연결선 15"/>
+            <p:cNvPr id="22" name="직선 연결선 21"/>
             <p:cNvCxnSpPr/>
             <p:nvPr/>
           </p:nvCxnSpPr>
@@ -7118,7 +7099,7 @@
         </p:cxnSp>
         <p:cxnSp>
           <p:nvCxnSpPr>
-            <p:cNvPr id="17" name="직선 연결선 16"/>
+            <p:cNvPr id="23" name="직선 연결선 22"/>
             <p:cNvCxnSpPr/>
             <p:nvPr/>
           </p:nvCxnSpPr>
@@ -7154,13 +7135,13 @@
       </p:grpSp>
       <p:pic>
         <p:nvPicPr>
-          <p:cNvPr id="18" name="그림 17"/>
+          <p:cNvPr id="24" name="그림 23"/>
           <p:cNvPicPr>
             <a:picLocks noChangeAspect="1"/>
           </p:cNvPicPr>
           <p:nvPr/>
         </p:nvPicPr>
-        <p:blipFill rotWithShape="1">
+        <p:blipFill>
           <a:blip r:embed="rId6" cstate="print">
             <a:duotone>
               <a:schemeClr val="accent4">
@@ -7175,13 +7156,14 @@
               </a:ext>
             </a:extLst>
           </a:blip>
-          <a:srcRect l="4346" t="45154" r="-1" b="-2"/>
-          <a:stretch/>
+          <a:stretch>
+            <a:fillRect/>
+          </a:stretch>
         </p:blipFill>
         <p:spPr>
           <a:xfrm>
-            <a:off x="339216" y="2563477"/>
-            <a:ext cx="827358" cy="474400"/>
+            <a:off x="435058" y="3850986"/>
+            <a:ext cx="601962" cy="601962"/>
           </a:xfrm>
           <a:prstGeom prst="rect">
             <a:avLst/>

--- a/스크립트언어기획발표.pptx
+++ b/스크립트언어기획발표.pptx
@@ -20,12 +20,12 @@
   <p:notesSz cx="6858000" cy="9144000"/>
   <p:embeddedFontLst>
     <p:embeddedFont>
-      <p:font typeface="나눔고딕" panose="020B0600000101010101" charset="-127"/>
+      <p:font typeface="맑은 고딕" panose="020B0503020000020004" pitchFamily="50" charset="-127"/>
       <p:regular r:id="rId10"/>
       <p:bold r:id="rId11"/>
     </p:embeddedFont>
     <p:embeddedFont>
-      <p:font typeface="맑은 고딕" panose="020B0503020000020004" pitchFamily="50" charset="-127"/>
+      <p:font typeface="나눔고딕" panose="020B0600000101010101" charset="-127"/>
       <p:regular r:id="rId12"/>
       <p:bold r:id="rId13"/>
     </p:embeddedFont>
@@ -222,7 +222,7 @@
           <a:p>
             <a:fld id="{A6EE593A-6B44-487E-B64A-BF4872A4BE59}" type="datetimeFigureOut">
               <a:rPr lang="ko-KR" altLang="en-US" smtClean="0"/>
-              <a:t>2017-05-31</a:t>
+              <a:t>2017-06-08</a:t>
             </a:fld>
             <a:endParaRPr lang="ko-KR" altLang="en-US"/>
           </a:p>
@@ -1397,7 +1397,7 @@
           <a:p>
             <a:fld id="{3B9AFE30-CE99-44E2-887B-671B604A8DB1}" type="datetimeFigureOut">
               <a:rPr lang="ko-KR" altLang="en-US" smtClean="0"/>
-              <a:t>2017-05-31</a:t>
+              <a:t>2017-06-08</a:t>
             </a:fld>
             <a:endParaRPr lang="ko-KR" altLang="en-US"/>
           </a:p>
@@ -1605,7 +1605,7 @@
           <a:p>
             <a:fld id="{3B9AFE30-CE99-44E2-887B-671B604A8DB1}" type="datetimeFigureOut">
               <a:rPr lang="ko-KR" altLang="en-US" smtClean="0"/>
-              <a:t>2017-05-31</a:t>
+              <a:t>2017-06-08</a:t>
             </a:fld>
             <a:endParaRPr lang="ko-KR" altLang="en-US"/>
           </a:p>
@@ -1901,7 +1901,7 @@
           <a:p>
             <a:fld id="{3B9AFE30-CE99-44E2-887B-671B604A8DB1}" type="datetimeFigureOut">
               <a:rPr lang="ko-KR" altLang="en-US" smtClean="0"/>
-              <a:t>2017-05-31</a:t>
+              <a:t>2017-06-08</a:t>
             </a:fld>
             <a:endParaRPr lang="ko-KR" altLang="en-US"/>
           </a:p>
@@ -2020,7 +2020,7 @@
           <a:p>
             <a:fld id="{3B9AFE30-CE99-44E2-887B-671B604A8DB1}" type="datetimeFigureOut">
               <a:rPr lang="ko-KR" altLang="en-US" smtClean="0"/>
-              <a:t>2017-05-31</a:t>
+              <a:t>2017-06-08</a:t>
             </a:fld>
             <a:endParaRPr lang="ko-KR" altLang="en-US"/>
           </a:p>
@@ -2328,7 +2328,7 @@
           <a:p>
             <a:fld id="{3B9AFE30-CE99-44E2-887B-671B604A8DB1}" type="datetimeFigureOut">
               <a:rPr lang="ko-KR" altLang="en-US" smtClean="0"/>
-              <a:t>2017-05-31</a:t>
+              <a:t>2017-06-08</a:t>
             </a:fld>
             <a:endParaRPr lang="ko-KR" altLang="en-US"/>
           </a:p>
@@ -2613,7 +2613,7 @@
           <a:p>
             <a:fld id="{3B9AFE30-CE99-44E2-887B-671B604A8DB1}" type="datetimeFigureOut">
               <a:rPr lang="ko-KR" altLang="en-US" smtClean="0"/>
-              <a:t>2017-05-31</a:t>
+              <a:t>2017-06-08</a:t>
             </a:fld>
             <a:endParaRPr lang="ko-KR" altLang="en-US"/>
           </a:p>
@@ -6149,7 +6149,7 @@
           <p:nvPr>
             <p:extLst>
               <p:ext uri="{D42A27DB-BD31-4B8C-83A1-F6EECF244321}">
-                <p14:modId xmlns:p14="http://schemas.microsoft.com/office/powerpoint/2010/main" val="3791871434"/>
+                <p14:modId xmlns:p14="http://schemas.microsoft.com/office/powerpoint/2010/main" val="4139618738"/>
               </p:ext>
             </p:extLst>
           </p:nvPr>
@@ -6695,6 +6695,46 @@
                     <a:bodyPr/>
                     <a:lstStyle/>
                     <a:p>
+                      <a:pPr marL="0" marR="0" lvl="0" indent="0" algn="ctr" defTabSz="914400" rtl="0" eaLnBrk="1" fontAlgn="auto" latinLnBrk="1" hangingPunct="1">
+                        <a:lnSpc>
+                          <a:spcPct val="100000"/>
+                        </a:lnSpc>
+                        <a:spcBef>
+                          <a:spcPts val="0"/>
+                        </a:spcBef>
+                        <a:spcAft>
+                          <a:spcPts val="0"/>
+                        </a:spcAft>
+                        <a:buClrTx/>
+                        <a:buSzTx/>
+                        <a:buFontTx/>
+                        <a:buNone/>
+                        <a:tabLst/>
+                        <a:defRPr/>
+                      </a:pPr>
+                      <a:r>
+                        <a:rPr lang="en-US" altLang="ko-KR" sz="1600" b="1" dirty="0" err="1">
+                          <a:ea typeface="나눔바른고딕 Light" panose="020B0603020101020101"/>
+                        </a:rPr>
+                        <a:t>tkinter</a:t>
+                      </a:r>
+                      <a:r>
+                        <a:rPr lang="en-US" altLang="ko-KR" sz="1600" b="1" dirty="0">
+                          <a:ea typeface="나눔바른고딕 Light" panose="020B0603020101020101"/>
+                        </a:rPr>
+                        <a:t> GUI </a:t>
+                      </a:r>
+                      <a:r>
+                        <a:rPr lang="ko-KR" altLang="en-US" sz="1600" b="1" dirty="0">
+                          <a:ea typeface="나눔바른고딕 Light" panose="020B0603020101020101"/>
+                        </a:rPr>
+                        <a:t>구현</a:t>
+                      </a:r>
+                      <a:endParaRPr lang="en-US" altLang="ko-KR" sz="1600" b="1" baseline="0" dirty="0">
+                        <a:ea typeface="나눔바른고딕 Light" panose="020B0603020101020101"/>
+                      </a:endParaRPr>
+                    </a:p>
+                    <a:p>
                       <a:pPr marL="0" marR="0" indent="0" algn="ctr" defTabSz="914400" rtl="0" eaLnBrk="1" fontAlgn="auto" latinLnBrk="1" hangingPunct="1">
                         <a:lnSpc>
                           <a:spcPct val="100000"/>
@@ -6716,7 +6756,7 @@
                         <a:rPr lang="ko-KR" altLang="en-US" sz="1600" b="1" baseline="0" dirty="0">
                           <a:ea typeface="나눔바른고딕 Light" panose="020B0603020101020101"/>
                         </a:rPr>
-                        <a:t>지도 연동 구현</a:t>
+                        <a:t>지도 구현</a:t>
                       </a:r>
                       <a:endParaRPr lang="ko-KR" altLang="en-US" sz="1600" b="1" dirty="0">
                         <a:ea typeface="나눔바른고딕 Light" panose="020B0603020101020101"/>
@@ -6845,8 +6885,30 @@
                         <a:tabLst/>
                         <a:defRPr/>
                       </a:pPr>
-                      <a:r>
-                        <a:rPr lang="ko-KR" altLang="en-US" sz="1600" b="1">
+                      <a:endParaRPr lang="en-US" altLang="ko-KR" sz="1600" b="1" dirty="0">
+                        <a:ea typeface="나눔바른고딕 Light" panose="020B0603020101020101"/>
+                      </a:endParaRPr>
+                    </a:p>
+                    <a:p>
+                      <a:pPr marL="0" marR="0" lvl="0" indent="0" algn="ctr" defTabSz="914400" rtl="0" eaLnBrk="1" fontAlgn="auto" latinLnBrk="1" hangingPunct="1">
+                        <a:lnSpc>
+                          <a:spcPct val="100000"/>
+                        </a:lnSpc>
+                        <a:spcBef>
+                          <a:spcPts val="0"/>
+                        </a:spcBef>
+                        <a:spcAft>
+                          <a:spcPts val="0"/>
+                        </a:spcAft>
+                        <a:buClrTx/>
+                        <a:buSzTx/>
+                        <a:buFontTx/>
+                        <a:buNone/>
+                        <a:tabLst/>
+                        <a:defRPr/>
+                      </a:pPr>
+                      <a:r>
+                        <a:rPr lang="ko-KR" altLang="en-US" sz="1600" b="1" dirty="0">
                           <a:ea typeface="나눔바른고딕 Light" panose="020B0603020101020101"/>
                         </a:rPr>
                         <a:t>배포파일작성</a:t>
